--- a/Myo-Car_Amag.pptx
+++ b/Myo-Car_Amag.pptx
@@ -10546,8 +10546,8 @@
         </p:blipFill>
         <p:spPr>
           <a:xfrm>
-            <a:off x="3446280" y="675502"/>
-            <a:ext cx="2646208" cy="2646208"/>
+            <a:off x="4211065" y="2786201"/>
+            <a:ext cx="1285596" cy="1285596"/>
           </a:xfrm>
           <a:prstGeom prst="rect">
             <a:avLst/>
@@ -10695,6 +10695,36 @@
           </a:p>
         </p:txBody>
       </p:sp>
+      <p:pic>
+        <p:nvPicPr>
+          <p:cNvPr id="4" name="Picture 3">
+            <a:extLst>
+              <a:ext uri="{FF2B5EF4-FFF2-40B4-BE49-F238E27FC236}">
+                <a16:creationId xmlns:a16="http://schemas.microsoft.com/office/drawing/2014/main" id="{567B7E57-7FC1-4A68-A9BF-3906D7F102C1}"/>
+              </a:ext>
+            </a:extLst>
+          </p:cNvPr>
+          <p:cNvPicPr>
+            <a:picLocks noChangeAspect="1"/>
+          </p:cNvPicPr>
+          <p:nvPr/>
+        </p:nvPicPr>
+        <p:blipFill>
+          <a:blip r:embed="rId11"/>
+          <a:stretch>
+            <a:fillRect/>
+          </a:stretch>
+        </p:blipFill>
+        <p:spPr>
+          <a:xfrm>
+            <a:off x="3532367" y="844757"/>
+            <a:ext cx="2744086" cy="1372043"/>
+          </a:xfrm>
+          <a:prstGeom prst="rect">
+            <a:avLst/>
+          </a:prstGeom>
+        </p:spPr>
+      </p:pic>
     </p:spTree>
     <p:extLst>
       <p:ext uri="{BB962C8B-B14F-4D97-AF65-F5344CB8AC3E}">

--- a/Myo-Car_Amag.pptx
+++ b/Myo-Car_Amag.pptx
@@ -10,8 +10,8 @@
     <p:sldId id="258" r:id="rId4"/>
     <p:sldId id="259" r:id="rId5"/>
     <p:sldId id="260" r:id="rId6"/>
-    <p:sldId id="261" r:id="rId7"/>
-    <p:sldId id="264" r:id="rId8"/>
+    <p:sldId id="264" r:id="rId7"/>
+    <p:sldId id="261" r:id="rId8"/>
     <p:sldId id="262" r:id="rId9"/>
     <p:sldId id="263" r:id="rId10"/>
   </p:sldIdLst>
@@ -310,7 +310,7 @@
           <a:p>
             <a:fld id="{4AAD347D-5ACD-4C99-B74B-A9C85AD731AF}" type="datetimeFigureOut">
               <a:rPr lang="en-US" dirty="0"/>
-              <a:t>17.09.2017</a:t>
+              <a:t>17-Sep-17</a:t>
             </a:fld>
             <a:endParaRPr lang="en-US" dirty="0"/>
           </a:p>
@@ -352,7 +352,7 @@
           <a:p>
             <a:fld id="{D57F1E4F-1CFF-5643-939E-02111984F565}" type="slidenum">
               <a:rPr lang="en-US" dirty="0"/>
-              <a:t>‹#›</a:t>
+              <a:t>‹Nr.›</a:t>
             </a:fld>
             <a:endParaRPr lang="en-US" dirty="0"/>
           </a:p>
@@ -580,7 +580,7 @@
           <a:p>
             <a:fld id="{4509A250-FF31-4206-8172-F9D3106AACB1}" type="datetimeFigureOut">
               <a:rPr lang="en-US" dirty="0"/>
-              <a:t>17.09.2017</a:t>
+              <a:t>17-Sep-17</a:t>
             </a:fld>
             <a:endParaRPr lang="en-US" dirty="0"/>
           </a:p>
@@ -622,7 +622,7 @@
           <a:p>
             <a:fld id="{D57F1E4F-1CFF-5643-939E-02111984F565}" type="slidenum">
               <a:rPr lang="en-US" dirty="0"/>
-              <a:t>‹#›</a:t>
+              <a:t>‹Nr.›</a:t>
             </a:fld>
             <a:endParaRPr lang="en-US" dirty="0"/>
           </a:p>
@@ -769,7 +769,7 @@
           <a:p>
             <a:fld id="{4509A250-FF31-4206-8172-F9D3106AACB1}" type="datetimeFigureOut">
               <a:rPr lang="en-US" dirty="0"/>
-              <a:t>17.09.2017</a:t>
+              <a:t>17-Sep-17</a:t>
             </a:fld>
             <a:endParaRPr lang="en-US" dirty="0"/>
           </a:p>
@@ -811,7 +811,7 @@
           <a:p>
             <a:fld id="{D57F1E4F-1CFF-5643-939E-02111984F565}" type="slidenum">
               <a:rPr lang="en-US" dirty="0"/>
-              <a:t>‹#›</a:t>
+              <a:t>‹Nr.›</a:t>
             </a:fld>
             <a:endParaRPr lang="en-US" dirty="0"/>
           </a:p>
@@ -1035,7 +1035,7 @@
           <a:p>
             <a:fld id="{4509A250-FF31-4206-8172-F9D3106AACB1}" type="datetimeFigureOut">
               <a:rPr lang="en-US" dirty="0"/>
-              <a:t>17.09.2017</a:t>
+              <a:t>17-Sep-17</a:t>
             </a:fld>
             <a:endParaRPr lang="en-US" dirty="0"/>
           </a:p>
@@ -1077,7 +1077,7 @@
           <a:p>
             <a:fld id="{D57F1E4F-1CFF-5643-939E-02111984F565}" type="slidenum">
               <a:rPr lang="en-US" dirty="0"/>
-              <a:t>‹#›</a:t>
+              <a:t>‹Nr.›</a:t>
             </a:fld>
             <a:endParaRPr lang="en-US" dirty="0"/>
           </a:p>
@@ -1357,7 +1357,7 @@
           <a:p>
             <a:fld id="{4509A250-FF31-4206-8172-F9D3106AACB1}" type="datetimeFigureOut">
               <a:rPr lang="en-US" dirty="0"/>
-              <a:t>17.09.2017</a:t>
+              <a:t>17-Sep-17</a:t>
             </a:fld>
             <a:endParaRPr lang="en-US" dirty="0"/>
           </a:p>
@@ -1399,7 +1399,7 @@
           <a:p>
             <a:fld id="{D57F1E4F-1CFF-5643-939E-02111984F565}" type="slidenum">
               <a:rPr lang="en-US" dirty="0"/>
-              <a:t>‹#›</a:t>
+              <a:t>‹Nr.›</a:t>
             </a:fld>
             <a:endParaRPr lang="en-US" dirty="0"/>
           </a:p>
@@ -1971,7 +1971,7 @@
           <a:p>
             <a:fld id="{4509A250-FF31-4206-8172-F9D3106AACB1}" type="datetimeFigureOut">
               <a:rPr lang="en-US" dirty="0"/>
-              <a:t>17.09.2017</a:t>
+              <a:t>17-Sep-17</a:t>
             </a:fld>
             <a:endParaRPr lang="en-US" dirty="0"/>
           </a:p>
@@ -2013,7 +2013,7 @@
           <a:p>
             <a:fld id="{D57F1E4F-1CFF-5643-939E-02111984F565}" type="slidenum">
               <a:rPr lang="en-US" dirty="0"/>
-              <a:t>‹#›</a:t>
+              <a:t>‹Nr.›</a:t>
             </a:fld>
             <a:endParaRPr lang="en-US" dirty="0"/>
           </a:p>
@@ -2813,7 +2813,7 @@
           <a:p>
             <a:fld id="{4509A250-FF31-4206-8172-F9D3106AACB1}" type="datetimeFigureOut">
               <a:rPr lang="en-US" dirty="0"/>
-              <a:t>17.09.2017</a:t>
+              <a:t>17-Sep-17</a:t>
             </a:fld>
             <a:endParaRPr lang="en-US" dirty="0"/>
           </a:p>
@@ -2855,7 +2855,7 @@
           <a:p>
             <a:fld id="{D57F1E4F-1CFF-5643-939E-02111984F565}" type="slidenum">
               <a:rPr lang="en-US" dirty="0"/>
-              <a:t>‹#›</a:t>
+              <a:t>‹Nr.›</a:t>
             </a:fld>
             <a:endParaRPr lang="en-US" dirty="0"/>
           </a:p>
@@ -2978,7 +2978,7 @@
           <a:p>
             <a:fld id="{4509A250-FF31-4206-8172-F9D3106AACB1}" type="datetimeFigureOut">
               <a:rPr lang="en-US" dirty="0"/>
-              <a:t>17.09.2017</a:t>
+              <a:t>17-Sep-17</a:t>
             </a:fld>
             <a:endParaRPr lang="en-US" dirty="0"/>
           </a:p>
@@ -3020,7 +3020,7 @@
           <a:p>
             <a:fld id="{D57F1E4F-1CFF-5643-939E-02111984F565}" type="slidenum">
               <a:rPr lang="en-US" dirty="0"/>
-              <a:t>‹#›</a:t>
+              <a:t>‹Nr.›</a:t>
             </a:fld>
             <a:endParaRPr lang="en-US" dirty="0"/>
           </a:p>
@@ -3153,7 +3153,7 @@
           <a:p>
             <a:fld id="{4509A250-FF31-4206-8172-F9D3106AACB1}" type="datetimeFigureOut">
               <a:rPr lang="en-US" dirty="0"/>
-              <a:t>17.09.2017</a:t>
+              <a:t>17-Sep-17</a:t>
             </a:fld>
             <a:endParaRPr lang="en-US" dirty="0"/>
           </a:p>
@@ -3195,7 +3195,7 @@
           <a:p>
             <a:fld id="{D57F1E4F-1CFF-5643-939E-02111984F565}" type="slidenum">
               <a:rPr lang="en-US" dirty="0"/>
-              <a:t>‹#›</a:t>
+              <a:t>‹Nr.›</a:t>
             </a:fld>
             <a:endParaRPr lang="en-US" dirty="0"/>
           </a:p>
@@ -3318,7 +3318,7 @@
           <a:p>
             <a:fld id="{9796027F-7875-4030-9381-8BD8C4F21935}" type="datetimeFigureOut">
               <a:rPr lang="en-US" dirty="0"/>
-              <a:t>17.09.2017</a:t>
+              <a:t>17-Sep-17</a:t>
             </a:fld>
             <a:endParaRPr lang="en-US" dirty="0"/>
           </a:p>
@@ -3360,7 +3360,7 @@
           <a:p>
             <a:fld id="{D57F1E4F-1CFF-5643-939E-02111984F565}" type="slidenum">
               <a:rPr lang="en-US" dirty="0"/>
-              <a:t>‹#›</a:t>
+              <a:t>‹Nr.›</a:t>
             </a:fld>
             <a:endParaRPr lang="en-US" dirty="0"/>
           </a:p>
@@ -3560,7 +3560,7 @@
           <a:p>
             <a:fld id="{9796027F-7875-4030-9381-8BD8C4F21935}" type="datetimeFigureOut">
               <a:rPr lang="en-US" dirty="0"/>
-              <a:t>17.09.2017</a:t>
+              <a:t>17-Sep-17</a:t>
             </a:fld>
             <a:endParaRPr lang="en-US" dirty="0"/>
           </a:p>
@@ -3602,7 +3602,7 @@
           <a:p>
             <a:fld id="{D57F1E4F-1CFF-5643-939E-02111984F565}" type="slidenum">
               <a:rPr lang="en-US" dirty="0"/>
-              <a:t>‹#›</a:t>
+              <a:t>‹Nr.›</a:t>
             </a:fld>
             <a:endParaRPr lang="en-US" dirty="0"/>
           </a:p>
@@ -3847,7 +3847,7 @@
           <a:p>
             <a:fld id="{9796027F-7875-4030-9381-8BD8C4F21935}" type="datetimeFigureOut">
               <a:rPr lang="en-US" dirty="0"/>
-              <a:t>17.09.2017</a:t>
+              <a:t>17-Sep-17</a:t>
             </a:fld>
             <a:endParaRPr lang="en-US" dirty="0"/>
           </a:p>
@@ -3889,7 +3889,7 @@
           <a:p>
             <a:fld id="{D57F1E4F-1CFF-5643-939E-02111984F565}" type="slidenum">
               <a:rPr lang="en-US" dirty="0"/>
-              <a:t>‹#›</a:t>
+              <a:t>‹Nr.›</a:t>
             </a:fld>
             <a:endParaRPr lang="en-US" dirty="0"/>
           </a:p>
@@ -4286,7 +4286,7 @@
           <a:p>
             <a:fld id="{9796027F-7875-4030-9381-8BD8C4F21935}" type="datetimeFigureOut">
               <a:rPr lang="en-US" dirty="0"/>
-              <a:t>17.09.2017</a:t>
+              <a:t>17-Sep-17</a:t>
             </a:fld>
             <a:endParaRPr lang="en-US" dirty="0"/>
           </a:p>
@@ -4328,7 +4328,7 @@
           <a:p>
             <a:fld id="{D57F1E4F-1CFF-5643-939E-02111984F565}" type="slidenum">
               <a:rPr lang="en-US" dirty="0"/>
-              <a:t>‹#›</a:t>
+              <a:t>‹Nr.›</a:t>
             </a:fld>
             <a:endParaRPr lang="en-US" dirty="0"/>
           </a:p>
@@ -4399,7 +4399,7 @@
           <a:p>
             <a:fld id="{4509A250-FF31-4206-8172-F9D3106AACB1}" type="datetimeFigureOut">
               <a:rPr lang="en-US" dirty="0"/>
-              <a:t>17.09.2017</a:t>
+              <a:t>17-Sep-17</a:t>
             </a:fld>
             <a:endParaRPr lang="en-US" dirty="0"/>
           </a:p>
@@ -4441,7 +4441,7 @@
           <a:p>
             <a:fld id="{D57F1E4F-1CFF-5643-939E-02111984F565}" type="slidenum">
               <a:rPr lang="en-US" dirty="0"/>
-              <a:t>‹#›</a:t>
+              <a:t>‹Nr.›</a:t>
             </a:fld>
             <a:endParaRPr lang="en-US" dirty="0"/>
           </a:p>
@@ -4489,7 +4489,7 @@
           <a:p>
             <a:fld id="{4509A250-FF31-4206-8172-F9D3106AACB1}" type="datetimeFigureOut">
               <a:rPr lang="en-US" dirty="0"/>
-              <a:t>17.09.2017</a:t>
+              <a:t>17-Sep-17</a:t>
             </a:fld>
             <a:endParaRPr lang="en-US" dirty="0"/>
           </a:p>
@@ -4531,7 +4531,7 @@
           <a:p>
             <a:fld id="{D57F1E4F-1CFF-5643-939E-02111984F565}" type="slidenum">
               <a:rPr lang="en-US" dirty="0"/>
-              <a:t>‹#›</a:t>
+              <a:t>‹Nr.›</a:t>
             </a:fld>
             <a:endParaRPr lang="en-US" dirty="0"/>
           </a:p>
@@ -4763,7 +4763,7 @@
           <a:p>
             <a:fld id="{4509A250-FF31-4206-8172-F9D3106AACB1}" type="datetimeFigureOut">
               <a:rPr lang="en-US" dirty="0"/>
-              <a:t>17.09.2017</a:t>
+              <a:t>17-Sep-17</a:t>
             </a:fld>
             <a:endParaRPr lang="en-US" dirty="0"/>
           </a:p>
@@ -4805,7 +4805,7 @@
           <a:p>
             <a:fld id="{D57F1E4F-1CFF-5643-939E-02111984F565}" type="slidenum">
               <a:rPr lang="en-US" dirty="0"/>
-              <a:t>‹#›</a:t>
+              <a:t>‹Nr.›</a:t>
             </a:fld>
             <a:endParaRPr lang="en-US" dirty="0"/>
           </a:p>
@@ -5033,7 +5033,7 @@
           <a:p>
             <a:fld id="{4509A250-FF31-4206-8172-F9D3106AACB1}" type="datetimeFigureOut">
               <a:rPr lang="en-US" dirty="0"/>
-              <a:t>17.09.2017</a:t>
+              <a:t>17-Sep-17</a:t>
             </a:fld>
             <a:endParaRPr lang="en-US" dirty="0"/>
           </a:p>
@@ -5075,7 +5075,7 @@
           <a:p>
             <a:fld id="{D57F1E4F-1CFF-5643-939E-02111984F565}" type="slidenum">
               <a:rPr lang="en-US" dirty="0"/>
-              <a:t>‹#›</a:t>
+              <a:t>‹Nr.›</a:t>
             </a:fld>
             <a:endParaRPr lang="en-US" dirty="0"/>
           </a:p>
@@ -5451,7 +5451,7 @@
           <a:p>
             <a:fld id="{4AAD347D-5ACD-4C99-B74B-A9C85AD731AF}" type="datetimeFigureOut">
               <a:rPr lang="en-US" dirty="0"/>
-              <a:t>17.09.2017</a:t>
+              <a:t>17-Sep-17</a:t>
             </a:fld>
             <a:endParaRPr lang="en-US" dirty="0"/>
           </a:p>
@@ -5530,7 +5530,7 @@
           <a:p>
             <a:fld id="{D57F1E4F-1CFF-5643-939E-02111984F565}" type="slidenum">
               <a:rPr lang="en-US" dirty="0"/>
-              <a:t>‹#›</a:t>
+              <a:t>‹Nr.›</a:t>
             </a:fld>
             <a:endParaRPr lang="en-US" dirty="0"/>
           </a:p>
@@ -8512,7 +8512,7 @@
           <p:cNvPr id="2" name="Title 1">
             <a:extLst>
               <a:ext uri="{FF2B5EF4-FFF2-40B4-BE49-F238E27FC236}">
-                <a16:creationId xmlns:a16="http://schemas.microsoft.com/office/drawing/2014/main" id="{D411D60B-38E7-4384-8245-0812F8E21207}"/>
+                <a16:creationId xmlns:a16="http://schemas.microsoft.com/office/drawing/2014/main" id="{0A0A9C83-359B-484A-9A13-1E4D718D04FD}"/>
               </a:ext>
             </a:extLst>
           </p:cNvPr>
@@ -8523,39 +8523,241 @@
             <p:ph type="title"/>
           </p:nvPr>
         </p:nvSpPr>
-        <p:spPr>
-          <a:xfrm>
-            <a:off x="874220" y="2927471"/>
-            <a:ext cx="9404723" cy="1400530"/>
-          </a:xfrm>
-        </p:spPr>
+        <p:spPr/>
         <p:txBody>
           <a:bodyPr/>
           <a:lstStyle/>
           <a:p>
             <a:pPr algn="ctr"/>
             <a:r>
-              <a:rPr lang="de-CH" sz="5600" b="1" dirty="0"/>
-              <a:t>Demo</a:t>
-            </a:r>
+              <a:rPr lang="de-CH" dirty="0" err="1"/>
+              <a:t>Used</a:t>
+            </a:r>
+            <a:r>
+              <a:rPr lang="de-CH" dirty="0"/>
+              <a:t> </a:t>
+            </a:r>
+            <a:r>
+              <a:rPr lang="de-CH" dirty="0" err="1"/>
+              <a:t>gestures</a:t>
+            </a:r>
+            <a:endParaRPr lang="de-CH" dirty="0"/>
+          </a:p>
+        </p:txBody>
+      </p:sp>
+      <p:sp>
+        <p:nvSpPr>
+          <p:cNvPr id="3" name="Content Placeholder 2">
+            <a:extLst>
+              <a:ext uri="{FF2B5EF4-FFF2-40B4-BE49-F238E27FC236}">
+                <a16:creationId xmlns:a16="http://schemas.microsoft.com/office/drawing/2014/main" id="{510687C6-F043-4C27-A5EC-610B20146566}"/>
+              </a:ext>
+            </a:extLst>
+          </p:cNvPr>
+          <p:cNvSpPr>
+            <a:spLocks noGrp="1"/>
+          </p:cNvSpPr>
+          <p:nvPr>
+            <p:ph idx="1"/>
+          </p:nvPr>
+        </p:nvSpPr>
+        <p:spPr/>
+        <p:txBody>
+          <a:bodyPr/>
+          <a:lstStyle/>
+          <a:p>
+            <a:r>
+              <a:rPr lang="de-CH" b="1" dirty="0" err="1"/>
+              <a:t>Rotating</a:t>
+            </a:r>
+            <a:r>
+              <a:rPr lang="de-CH" b="1" dirty="0"/>
+              <a:t> </a:t>
+            </a:r>
+            <a:r>
+              <a:rPr lang="de-CH" b="1" dirty="0" err="1"/>
+              <a:t>left</a:t>
+            </a:r>
+            <a:r>
+              <a:rPr lang="de-CH" b="1" dirty="0"/>
+              <a:t> arm</a:t>
+            </a:r>
+            <a:r>
+              <a:rPr lang="de-CH" dirty="0"/>
+              <a:t>: </a:t>
+            </a:r>
+            <a:r>
+              <a:rPr lang="de-CH" dirty="0" err="1"/>
+              <a:t>steering</a:t>
+            </a:r>
+            <a:endParaRPr lang="de-CH" dirty="0"/>
+          </a:p>
+          <a:p>
+            <a:endParaRPr lang="de-CH" dirty="0"/>
+          </a:p>
+          <a:p>
+            <a:r>
+              <a:rPr lang="de-CH" b="1" dirty="0"/>
+              <a:t>Lifting </a:t>
+            </a:r>
+            <a:r>
+              <a:rPr lang="de-CH" b="1" dirty="0" err="1"/>
+              <a:t>right</a:t>
+            </a:r>
+            <a:r>
+              <a:rPr lang="de-CH" b="1" dirty="0"/>
+              <a:t> arm: </a:t>
+            </a:r>
+            <a:r>
+              <a:rPr lang="de-CH" dirty="0" err="1"/>
+              <a:t>acceleration</a:t>
+            </a:r>
+            <a:endParaRPr lang="de-CH" dirty="0"/>
+          </a:p>
+          <a:p>
+            <a:endParaRPr lang="de-CH" dirty="0"/>
+          </a:p>
+          <a:p>
+            <a:r>
+              <a:rPr lang="de-CH" b="1" dirty="0" err="1"/>
+              <a:t>Lowering</a:t>
+            </a:r>
+            <a:r>
+              <a:rPr lang="de-CH" b="1" dirty="0"/>
+              <a:t> </a:t>
+            </a:r>
+            <a:r>
+              <a:rPr lang="de-CH" b="1" dirty="0" err="1"/>
+              <a:t>right</a:t>
+            </a:r>
+            <a:r>
+              <a:rPr lang="de-CH" b="1" dirty="0"/>
+              <a:t> arm: </a:t>
+            </a:r>
+            <a:r>
+              <a:rPr lang="de-CH" dirty="0" err="1"/>
+              <a:t>slowing</a:t>
+            </a:r>
+            <a:r>
+              <a:rPr lang="de-CH" dirty="0"/>
+              <a:t> down</a:t>
+            </a:r>
+          </a:p>
+          <a:p>
+            <a:endParaRPr lang="de-CH" dirty="0"/>
+          </a:p>
+          <a:p>
+            <a:r>
+              <a:rPr lang="de-CH" b="1" dirty="0"/>
+              <a:t>Wave-out / </a:t>
+            </a:r>
+            <a:r>
+              <a:rPr lang="de-CH" b="1" dirty="0" err="1"/>
+              <a:t>wave</a:t>
+            </a:r>
+            <a:r>
+              <a:rPr lang="de-CH" b="1" dirty="0"/>
+              <a:t>-in: </a:t>
+            </a:r>
+            <a:r>
+              <a:rPr lang="de-CH" dirty="0" err="1"/>
+              <a:t>shifting</a:t>
+            </a:r>
+            <a:r>
+              <a:rPr lang="de-CH" dirty="0"/>
+              <a:t> </a:t>
+            </a:r>
+            <a:r>
+              <a:rPr lang="de-CH" dirty="0" err="1"/>
+              <a:t>gears</a:t>
+            </a:r>
+            <a:endParaRPr lang="de-CH" dirty="0"/>
+          </a:p>
+          <a:p>
+            <a:endParaRPr lang="de-CH" dirty="0"/>
+          </a:p>
+          <a:p>
+            <a:r>
+              <a:rPr lang="de-CH" b="1" dirty="0" err="1"/>
+              <a:t>Clanging</a:t>
+            </a:r>
+            <a:r>
+              <a:rPr lang="de-CH" b="1" dirty="0"/>
+              <a:t> </a:t>
+            </a:r>
+            <a:r>
+              <a:rPr lang="de-CH" b="1" dirty="0" err="1"/>
+              <a:t>the</a:t>
+            </a:r>
+            <a:r>
+              <a:rPr lang="de-CH" b="1" dirty="0"/>
+              <a:t> </a:t>
+            </a:r>
+            <a:r>
+              <a:rPr lang="de-CH" b="1" dirty="0" err="1"/>
+              <a:t>fist</a:t>
+            </a:r>
+            <a:r>
+              <a:rPr lang="de-CH" b="1" dirty="0"/>
+              <a:t> </a:t>
+            </a:r>
+            <a:r>
+              <a:rPr lang="de-CH" b="1" dirty="0" err="1"/>
+              <a:t>of</a:t>
+            </a:r>
+            <a:r>
+              <a:rPr lang="de-CH" b="1" dirty="0"/>
+              <a:t> </a:t>
+            </a:r>
+            <a:r>
+              <a:rPr lang="de-CH" b="1" dirty="0" err="1"/>
+              <a:t>right</a:t>
+            </a:r>
+            <a:r>
+              <a:rPr lang="de-CH" b="1" dirty="0"/>
+              <a:t> / </a:t>
+            </a:r>
+            <a:r>
+              <a:rPr lang="de-CH" b="1" dirty="0" err="1"/>
+              <a:t>left</a:t>
+            </a:r>
+            <a:r>
+              <a:rPr lang="de-CH" b="1" dirty="0"/>
+              <a:t> </a:t>
+            </a:r>
+            <a:r>
+              <a:rPr lang="de-CH" b="1" dirty="0" err="1"/>
+              <a:t>hand</a:t>
+            </a:r>
+            <a:r>
+              <a:rPr lang="de-CH" b="1" dirty="0"/>
+              <a:t>: </a:t>
+            </a:r>
+            <a:r>
+              <a:rPr lang="de-CH" dirty="0"/>
+              <a:t>Turn </a:t>
+            </a:r>
+            <a:r>
+              <a:rPr lang="de-CH" dirty="0" err="1"/>
+              <a:t>signals</a:t>
+            </a:r>
+            <a:endParaRPr lang="de-CH" b="1" dirty="0"/>
           </a:p>
         </p:txBody>
       </p:sp>
       <p:pic>
         <p:nvPicPr>
-          <p:cNvPr id="5" name="Content Placeholder 4">
+          <p:cNvPr id="5" name="Grafik 4">
             <a:extLst>
               <a:ext uri="{FF2B5EF4-FFF2-40B4-BE49-F238E27FC236}">
-                <a16:creationId xmlns:a16="http://schemas.microsoft.com/office/drawing/2014/main" id="{0D9FB3E2-3359-4B47-B241-A3B22E55CE5C}"/>
+                <a16:creationId xmlns:a16="http://schemas.microsoft.com/office/drawing/2014/main" id="{5D7ECF31-F265-4659-82F2-3E3F6BE5C490}"/>
               </a:ext>
             </a:extLst>
           </p:cNvPr>
           <p:cNvPicPr>
-            <a:picLocks noGrp="1" noChangeAspect="1"/>
+            <a:picLocks noChangeAspect="1"/>
           </p:cNvPicPr>
-          <p:nvPr>
-            <p:ph idx="1"/>
-          </p:nvPr>
+          <p:nvPr/>
         </p:nvPicPr>
         <p:blipFill>
           <a:blip r:embed="rId2"/>
@@ -8565,15 +8767,18 @@
         </p:blipFill>
         <p:spPr>
           <a:xfrm>
-            <a:off x="1485868" y="2119171"/>
-            <a:ext cx="8947150" cy="2849715"/>
+            <a:off x="6838546" y="2245104"/>
+            <a:ext cx="3892244" cy="2580727"/>
           </a:xfrm>
+          <a:prstGeom prst="rect">
+            <a:avLst/>
+          </a:prstGeom>
         </p:spPr>
       </p:pic>
     </p:spTree>
     <p:extLst>
       <p:ext uri="{BB962C8B-B14F-4D97-AF65-F5344CB8AC3E}">
-        <p14:creationId xmlns:p14="http://schemas.microsoft.com/office/powerpoint/2010/main" val="3700684568"/>
+        <p14:creationId xmlns:p14="http://schemas.microsoft.com/office/powerpoint/2010/main" val="3485529761"/>
       </p:ext>
     </p:extLst>
   </p:cSld>
@@ -8605,7 +8810,7 @@
           <p:cNvPr id="2" name="Title 1">
             <a:extLst>
               <a:ext uri="{FF2B5EF4-FFF2-40B4-BE49-F238E27FC236}">
-                <a16:creationId xmlns:a16="http://schemas.microsoft.com/office/drawing/2014/main" id="{0A0A9C83-359B-484A-9A13-1E4D718D04FD}"/>
+                <a16:creationId xmlns:a16="http://schemas.microsoft.com/office/drawing/2014/main" id="{D411D60B-38E7-4384-8245-0812F8E21207}"/>
               </a:ext>
             </a:extLst>
           </p:cNvPr>
@@ -8623,502 +8828,45 @@
           <a:p>
             <a:pPr algn="ctr"/>
             <a:r>
-              <a:rPr lang="de-CH" dirty="0" err="1"/>
-              <a:t>Used</a:t>
-            </a:r>
-            <a:r>
-              <a:rPr lang="de-CH" dirty="0"/>
-              <a:t> </a:t>
-            </a:r>
-            <a:r>
-              <a:rPr lang="de-CH" dirty="0" err="1"/>
-              <a:t>gestures</a:t>
-            </a:r>
-            <a:r>
-              <a:rPr lang="de-CH" dirty="0"/>
-              <a:t> in </a:t>
-            </a:r>
-            <a:r>
-              <a:rPr lang="de-CH" dirty="0" err="1"/>
-              <a:t>this</a:t>
-            </a:r>
-            <a:r>
-              <a:rPr lang="de-CH" dirty="0"/>
-              <a:t> </a:t>
-            </a:r>
-            <a:r>
-              <a:rPr lang="de-CH" dirty="0" err="1"/>
-              <a:t>demo</a:t>
-            </a:r>
-            <a:endParaRPr lang="de-CH" dirty="0"/>
-          </a:p>
-        </p:txBody>
-      </p:sp>
-      <p:sp>
-        <p:nvSpPr>
-          <p:cNvPr id="3" name="Content Placeholder 2">
+              <a:rPr lang="de-CH" sz="5600" dirty="0"/>
+              <a:t>Architecture</a:t>
+            </a:r>
+          </a:p>
+        </p:txBody>
+      </p:sp>
+      <p:pic>
+        <p:nvPicPr>
+          <p:cNvPr id="5" name="Content Placeholder 4">
             <a:extLst>
               <a:ext uri="{FF2B5EF4-FFF2-40B4-BE49-F238E27FC236}">
-                <a16:creationId xmlns:a16="http://schemas.microsoft.com/office/drawing/2014/main" id="{510687C6-F043-4C27-A5EC-610B20146566}"/>
+                <a16:creationId xmlns:a16="http://schemas.microsoft.com/office/drawing/2014/main" id="{0D9FB3E2-3359-4B47-B241-A3B22E55CE5C}"/>
               </a:ext>
             </a:extLst>
           </p:cNvPr>
-          <p:cNvSpPr>
-            <a:spLocks noGrp="1"/>
-          </p:cNvSpPr>
+          <p:cNvPicPr>
+            <a:picLocks noGrp="1" noChangeAspect="1"/>
+          </p:cNvPicPr>
           <p:nvPr>
             <p:ph idx="1"/>
           </p:nvPr>
-        </p:nvSpPr>
-        <p:spPr/>
-        <p:txBody>
-          <a:bodyPr/>
-          <a:lstStyle/>
-          <a:p>
-            <a:r>
-              <a:rPr lang="de-CH" dirty="0"/>
-              <a:t>By </a:t>
-            </a:r>
-            <a:r>
-              <a:rPr lang="de-CH" dirty="0" err="1"/>
-              <a:t>rotating</a:t>
-            </a:r>
-            <a:r>
-              <a:rPr lang="de-CH" dirty="0"/>
-              <a:t> </a:t>
-            </a:r>
-            <a:r>
-              <a:rPr lang="de-CH" dirty="0" err="1"/>
-              <a:t>your</a:t>
-            </a:r>
-            <a:r>
-              <a:rPr lang="de-CH" dirty="0"/>
-              <a:t> </a:t>
-            </a:r>
-            <a:r>
-              <a:rPr lang="de-CH" dirty="0" err="1"/>
-              <a:t>left</a:t>
-            </a:r>
-            <a:r>
-              <a:rPr lang="de-CH" dirty="0"/>
-              <a:t> </a:t>
-            </a:r>
-            <a:r>
-              <a:rPr lang="de-CH" dirty="0" err="1"/>
-              <a:t>forearm</a:t>
-            </a:r>
-            <a:r>
-              <a:rPr lang="de-CH" dirty="0"/>
-              <a:t> </a:t>
-            </a:r>
-            <a:r>
-              <a:rPr lang="de-CH" dirty="0" err="1"/>
-              <a:t>you</a:t>
-            </a:r>
-            <a:r>
-              <a:rPr lang="de-CH" dirty="0"/>
-              <a:t> </a:t>
-            </a:r>
-            <a:r>
-              <a:rPr lang="de-CH" dirty="0" err="1"/>
-              <a:t>can</a:t>
-            </a:r>
-            <a:r>
-              <a:rPr lang="de-CH" dirty="0"/>
-              <a:t> </a:t>
-            </a:r>
-            <a:r>
-              <a:rPr lang="de-CH" dirty="0" err="1"/>
-              <a:t>control</a:t>
-            </a:r>
-            <a:r>
-              <a:rPr lang="de-CH" dirty="0"/>
-              <a:t> </a:t>
-            </a:r>
-            <a:r>
-              <a:rPr lang="de-CH" dirty="0" err="1"/>
-              <a:t>the</a:t>
-            </a:r>
-            <a:r>
-              <a:rPr lang="de-CH" dirty="0"/>
-              <a:t> </a:t>
-            </a:r>
-            <a:r>
-              <a:rPr lang="de-CH" dirty="0" err="1"/>
-              <a:t>steering</a:t>
-            </a:r>
-            <a:r>
-              <a:rPr lang="de-CH" dirty="0"/>
-              <a:t> angle </a:t>
-            </a:r>
-            <a:r>
-              <a:rPr lang="de-CH" dirty="0" err="1"/>
-              <a:t>of</a:t>
-            </a:r>
-            <a:r>
-              <a:rPr lang="de-CH" dirty="0"/>
-              <a:t> </a:t>
-            </a:r>
-            <a:r>
-              <a:rPr lang="de-CH" dirty="0" err="1"/>
-              <a:t>the</a:t>
-            </a:r>
-            <a:r>
-              <a:rPr lang="de-CH" dirty="0"/>
-              <a:t> </a:t>
-            </a:r>
-            <a:r>
-              <a:rPr lang="de-CH" dirty="0" err="1"/>
-              <a:t>car</a:t>
-            </a:r>
-            <a:endParaRPr lang="de-CH" dirty="0"/>
-          </a:p>
-          <a:p>
-            <a:r>
-              <a:rPr lang="de-CH" dirty="0"/>
-              <a:t>By </a:t>
-            </a:r>
-            <a:r>
-              <a:rPr lang="de-CH" dirty="0" err="1"/>
-              <a:t>lifting</a:t>
-            </a:r>
-            <a:r>
-              <a:rPr lang="de-CH" dirty="0"/>
-              <a:t> </a:t>
-            </a:r>
-            <a:r>
-              <a:rPr lang="de-CH" dirty="0" err="1"/>
-              <a:t>your</a:t>
-            </a:r>
-            <a:r>
-              <a:rPr lang="de-CH" dirty="0"/>
-              <a:t> </a:t>
-            </a:r>
-            <a:r>
-              <a:rPr lang="de-CH" dirty="0" err="1"/>
-              <a:t>right</a:t>
-            </a:r>
-            <a:r>
-              <a:rPr lang="de-CH" dirty="0"/>
-              <a:t> arm </a:t>
-            </a:r>
-            <a:r>
-              <a:rPr lang="de-CH" dirty="0" err="1"/>
-              <a:t>you</a:t>
-            </a:r>
-            <a:r>
-              <a:rPr lang="de-CH" dirty="0"/>
-              <a:t> </a:t>
-            </a:r>
-            <a:r>
-              <a:rPr lang="de-CH" dirty="0" err="1"/>
-              <a:t>can</a:t>
-            </a:r>
-            <a:r>
-              <a:rPr lang="de-CH" dirty="0"/>
-              <a:t> </a:t>
-            </a:r>
-            <a:r>
-              <a:rPr lang="de-CH" dirty="0" err="1"/>
-              <a:t>accelerate</a:t>
-            </a:r>
-            <a:r>
-              <a:rPr lang="de-CH" dirty="0"/>
-              <a:t> </a:t>
-            </a:r>
-            <a:r>
-              <a:rPr lang="de-CH" dirty="0" err="1"/>
-              <a:t>the</a:t>
-            </a:r>
-            <a:r>
-              <a:rPr lang="de-CH" dirty="0"/>
-              <a:t> </a:t>
-            </a:r>
-            <a:r>
-              <a:rPr lang="de-CH" dirty="0" err="1"/>
-              <a:t>car</a:t>
-            </a:r>
-            <a:endParaRPr lang="de-CH" dirty="0"/>
-          </a:p>
-          <a:p>
-            <a:r>
-              <a:rPr lang="de-CH" dirty="0"/>
-              <a:t>By </a:t>
-            </a:r>
-            <a:r>
-              <a:rPr lang="de-CH" dirty="0" err="1"/>
-              <a:t>lowering</a:t>
-            </a:r>
-            <a:r>
-              <a:rPr lang="de-CH" dirty="0"/>
-              <a:t> </a:t>
-            </a:r>
-            <a:r>
-              <a:rPr lang="de-CH" dirty="0" err="1"/>
-              <a:t>your</a:t>
-            </a:r>
-            <a:r>
-              <a:rPr lang="de-CH" dirty="0"/>
-              <a:t> </a:t>
-            </a:r>
-            <a:r>
-              <a:rPr lang="de-CH" dirty="0" err="1"/>
-              <a:t>right</a:t>
-            </a:r>
-            <a:r>
-              <a:rPr lang="de-CH" dirty="0"/>
-              <a:t> arm, </a:t>
-            </a:r>
-            <a:r>
-              <a:rPr lang="de-CH" dirty="0" err="1"/>
-              <a:t>you</a:t>
-            </a:r>
-            <a:r>
-              <a:rPr lang="de-CH" dirty="0"/>
-              <a:t> </a:t>
-            </a:r>
-            <a:r>
-              <a:rPr lang="de-CH" dirty="0" err="1"/>
-              <a:t>decrease</a:t>
-            </a:r>
-            <a:r>
-              <a:rPr lang="de-CH" dirty="0"/>
-              <a:t> </a:t>
-            </a:r>
-            <a:r>
-              <a:rPr lang="de-CH" dirty="0" err="1"/>
-              <a:t>the</a:t>
-            </a:r>
-            <a:r>
-              <a:rPr lang="de-CH" dirty="0"/>
-              <a:t> </a:t>
-            </a:r>
-            <a:r>
-              <a:rPr lang="de-CH" dirty="0" err="1"/>
-              <a:t>speed</a:t>
-            </a:r>
-            <a:r>
-              <a:rPr lang="de-CH" dirty="0"/>
-              <a:t> </a:t>
-            </a:r>
-            <a:r>
-              <a:rPr lang="de-CH" dirty="0" err="1"/>
-              <a:t>or</a:t>
-            </a:r>
-            <a:r>
-              <a:rPr lang="de-CH" dirty="0"/>
-              <a:t> break </a:t>
-            </a:r>
-            <a:r>
-              <a:rPr lang="de-CH" dirty="0" err="1"/>
-              <a:t>if</a:t>
-            </a:r>
-            <a:r>
-              <a:rPr lang="de-CH" dirty="0"/>
-              <a:t> </a:t>
-            </a:r>
-            <a:r>
-              <a:rPr lang="de-CH" dirty="0" err="1"/>
-              <a:t>under</a:t>
-            </a:r>
-            <a:r>
-              <a:rPr lang="de-CH" dirty="0"/>
-              <a:t> </a:t>
-            </a:r>
-            <a:r>
-              <a:rPr lang="de-CH" dirty="0" err="1"/>
-              <a:t>rest</a:t>
-            </a:r>
-            <a:r>
-              <a:rPr lang="de-CH" dirty="0"/>
-              <a:t> </a:t>
-            </a:r>
-            <a:r>
-              <a:rPr lang="de-CH" dirty="0" err="1"/>
-              <a:t>position</a:t>
-            </a:r>
-            <a:endParaRPr lang="de-CH" dirty="0"/>
-          </a:p>
-          <a:p>
-            <a:r>
-              <a:rPr lang="de-CH" dirty="0"/>
-              <a:t>Shift </a:t>
-            </a:r>
-            <a:r>
-              <a:rPr lang="de-CH" dirty="0" err="1"/>
-              <a:t>gears</a:t>
-            </a:r>
-            <a:r>
-              <a:rPr lang="de-CH" dirty="0"/>
-              <a:t> via </a:t>
-            </a:r>
-            <a:r>
-              <a:rPr lang="de-CH" dirty="0" err="1"/>
-              <a:t>wave</a:t>
-            </a:r>
-            <a:r>
-              <a:rPr lang="de-CH" dirty="0"/>
-              <a:t>-out and </a:t>
-            </a:r>
-            <a:r>
-              <a:rPr lang="de-CH" dirty="0" err="1"/>
-              <a:t>wave</a:t>
-            </a:r>
-            <a:r>
-              <a:rPr lang="de-CH" dirty="0"/>
-              <a:t>-in </a:t>
-            </a:r>
-            <a:r>
-              <a:rPr lang="de-CH" dirty="0" err="1"/>
-              <a:t>gestures</a:t>
-            </a:r>
-            <a:r>
-              <a:rPr lang="de-CH" dirty="0"/>
-              <a:t> </a:t>
-            </a:r>
-            <a:r>
-              <a:rPr lang="de-CH" dirty="0" err="1"/>
-              <a:t>from</a:t>
-            </a:r>
-            <a:r>
-              <a:rPr lang="de-CH" dirty="0"/>
-              <a:t> neutral </a:t>
-            </a:r>
-            <a:r>
-              <a:rPr lang="de-CH" dirty="0" err="1"/>
-              <a:t>to</a:t>
-            </a:r>
-            <a:r>
-              <a:rPr lang="de-CH" dirty="0"/>
-              <a:t> </a:t>
-            </a:r>
-            <a:r>
-              <a:rPr lang="de-CH" dirty="0" err="1"/>
-              <a:t>forward</a:t>
-            </a:r>
-            <a:r>
-              <a:rPr lang="de-CH" dirty="0"/>
-              <a:t> </a:t>
-            </a:r>
-            <a:r>
-              <a:rPr lang="de-CH" dirty="0" err="1"/>
-              <a:t>or</a:t>
-            </a:r>
-            <a:r>
-              <a:rPr lang="de-CH" dirty="0"/>
-              <a:t> </a:t>
-            </a:r>
-            <a:r>
-              <a:rPr lang="de-CH" dirty="0" err="1"/>
-              <a:t>backward</a:t>
-            </a:r>
-            <a:endParaRPr lang="de-CH" dirty="0"/>
-          </a:p>
-          <a:p>
-            <a:r>
-              <a:rPr lang="de-CH" dirty="0"/>
-              <a:t>Turn </a:t>
-            </a:r>
-            <a:r>
-              <a:rPr lang="de-CH" dirty="0" err="1"/>
-              <a:t>signals</a:t>
-            </a:r>
-            <a:r>
-              <a:rPr lang="de-CH" dirty="0"/>
-              <a:t> </a:t>
-            </a:r>
-            <a:r>
-              <a:rPr lang="de-CH" dirty="0" err="1"/>
-              <a:t>are</a:t>
-            </a:r>
-            <a:r>
-              <a:rPr lang="de-CH" dirty="0"/>
-              <a:t> </a:t>
-            </a:r>
-            <a:r>
-              <a:rPr lang="de-CH" dirty="0" err="1"/>
-              <a:t>turned</a:t>
-            </a:r>
-            <a:r>
-              <a:rPr lang="de-CH" dirty="0"/>
-              <a:t> on </a:t>
-            </a:r>
-            <a:r>
-              <a:rPr lang="de-CH" dirty="0" err="1"/>
-              <a:t>or</a:t>
-            </a:r>
-            <a:r>
-              <a:rPr lang="de-CH" dirty="0"/>
-              <a:t> off </a:t>
-            </a:r>
-            <a:r>
-              <a:rPr lang="de-CH" dirty="0" err="1"/>
-              <a:t>by</a:t>
-            </a:r>
-            <a:r>
-              <a:rPr lang="de-CH" dirty="0"/>
-              <a:t> </a:t>
-            </a:r>
-            <a:r>
-              <a:rPr lang="de-CH" dirty="0" err="1"/>
-              <a:t>clanging</a:t>
-            </a:r>
-            <a:r>
-              <a:rPr lang="de-CH" dirty="0"/>
-              <a:t> </a:t>
-            </a:r>
-            <a:r>
-              <a:rPr lang="de-CH" dirty="0" err="1"/>
-              <a:t>the</a:t>
-            </a:r>
-            <a:r>
-              <a:rPr lang="de-CH" dirty="0"/>
-              <a:t> </a:t>
-            </a:r>
-            <a:r>
-              <a:rPr lang="de-CH" dirty="0" err="1"/>
-              <a:t>fist</a:t>
-            </a:r>
-            <a:r>
-              <a:rPr lang="de-CH" dirty="0"/>
-              <a:t> </a:t>
-            </a:r>
-            <a:r>
-              <a:rPr lang="de-CH" dirty="0" err="1"/>
-              <a:t>of</a:t>
-            </a:r>
-            <a:r>
-              <a:rPr lang="de-CH" dirty="0"/>
-              <a:t> </a:t>
-            </a:r>
-            <a:r>
-              <a:rPr lang="de-CH" dirty="0" err="1"/>
-              <a:t>the</a:t>
-            </a:r>
-            <a:r>
-              <a:rPr lang="de-CH" dirty="0"/>
-              <a:t> </a:t>
-            </a:r>
-            <a:r>
-              <a:rPr lang="de-CH" dirty="0" err="1"/>
-              <a:t>respective</a:t>
-            </a:r>
-            <a:r>
-              <a:rPr lang="de-CH" dirty="0"/>
-              <a:t> </a:t>
-            </a:r>
-            <a:r>
-              <a:rPr lang="de-CH" dirty="0" err="1"/>
-              <a:t>hand</a:t>
-            </a:r>
-            <a:endParaRPr lang="de-CH" dirty="0"/>
-          </a:p>
-        </p:txBody>
-      </p:sp>
+        </p:nvPicPr>
+        <p:blipFill>
+          <a:blip r:embed="rId2"/>
+          <a:stretch>
+            <a:fillRect/>
+          </a:stretch>
+        </p:blipFill>
+        <p:spPr>
+          <a:xfrm>
+            <a:off x="874897" y="2716783"/>
+            <a:ext cx="8947150" cy="2849715"/>
+          </a:xfrm>
+        </p:spPr>
+      </p:pic>
     </p:spTree>
     <p:extLst>
       <p:ext uri="{BB962C8B-B14F-4D97-AF65-F5344CB8AC3E}">
-        <p14:creationId xmlns:p14="http://schemas.microsoft.com/office/powerpoint/2010/main" val="3485529761"/>
+        <p14:creationId xmlns:p14="http://schemas.microsoft.com/office/powerpoint/2010/main" val="3700684568"/>
       </p:ext>
     </p:extLst>
   </p:cSld>
@@ -9212,8 +8960,47 @@
               <a:t> a </a:t>
             </a:r>
             <a:r>
+              <a:rPr lang="de-CH" b="1" dirty="0" err="1"/>
+              <a:t>natural</a:t>
+            </a:r>
+            <a:r>
+              <a:rPr lang="de-CH" b="1" dirty="0"/>
+              <a:t> </a:t>
+            </a:r>
+            <a:r>
+              <a:rPr lang="de-CH" b="1" dirty="0" err="1"/>
+              <a:t>way</a:t>
+            </a:r>
+            <a:r>
+              <a:rPr lang="de-CH" b="1" dirty="0"/>
+              <a:t> </a:t>
+            </a:r>
+            <a:r>
               <a:rPr lang="de-CH" dirty="0" err="1"/>
-              <a:t>natural</a:t>
+              <a:t>to</a:t>
+            </a:r>
+            <a:r>
+              <a:rPr lang="de-CH" dirty="0"/>
+              <a:t> remote-</a:t>
+            </a:r>
+            <a:r>
+              <a:rPr lang="de-CH" dirty="0" err="1"/>
+              <a:t>control</a:t>
+            </a:r>
+            <a:r>
+              <a:rPr lang="de-CH" dirty="0"/>
+              <a:t> a </a:t>
+            </a:r>
+            <a:r>
+              <a:rPr lang="de-CH" dirty="0" err="1"/>
+              <a:t>car</a:t>
+            </a:r>
+            <a:endParaRPr lang="de-CH" dirty="0"/>
+          </a:p>
+          <a:p>
+            <a:r>
+              <a:rPr lang="de-CH" dirty="0" err="1"/>
+              <a:t>It</a:t>
             </a:r>
             <a:r>
               <a:rPr lang="de-CH" dirty="0"/>
@@ -9221,7 +9008,7 @@
             </a:r>
             <a:r>
               <a:rPr lang="de-CH" dirty="0" err="1"/>
-              <a:t>way</a:t>
+              <a:t>uses</a:t>
             </a:r>
             <a:r>
               <a:rPr lang="de-CH" dirty="0"/>
@@ -9229,30 +9016,7 @@
             </a:r>
             <a:r>
               <a:rPr lang="de-CH" dirty="0" err="1"/>
-              <a:t>to</a:t>
-            </a:r>
-            <a:r>
-              <a:rPr lang="de-CH" dirty="0"/>
-              <a:t> remote-</a:t>
-            </a:r>
-            <a:r>
-              <a:rPr lang="de-CH" dirty="0" err="1"/>
-              <a:t>control</a:t>
-            </a:r>
-            <a:r>
-              <a:rPr lang="de-CH" dirty="0"/>
-              <a:t> a </a:t>
-            </a:r>
-            <a:r>
-              <a:rPr lang="de-CH" dirty="0" err="1"/>
-              <a:t>car</a:t>
-            </a:r>
-            <a:endParaRPr lang="de-CH" dirty="0"/>
-          </a:p>
-          <a:p>
-            <a:r>
-              <a:rPr lang="de-CH" dirty="0" err="1"/>
-              <a:t>It</a:t>
+              <a:t>forearm</a:t>
             </a:r>
             <a:r>
               <a:rPr lang="de-CH" dirty="0"/>
@@ -9260,7 +9024,7 @@
             </a:r>
             <a:r>
               <a:rPr lang="de-CH" dirty="0" err="1"/>
-              <a:t>uses</a:t>
+              <a:t>muscle</a:t>
             </a:r>
             <a:r>
               <a:rPr lang="de-CH" dirty="0"/>
@@ -9268,7 +9032,7 @@
             </a:r>
             <a:r>
               <a:rPr lang="de-CH" dirty="0" err="1"/>
-              <a:t>forearm</a:t>
+              <a:t>tension</a:t>
             </a:r>
             <a:r>
               <a:rPr lang="de-CH" dirty="0"/>
@@ -9276,7 +9040,7 @@
             </a:r>
             <a:r>
               <a:rPr lang="de-CH" dirty="0" err="1"/>
-              <a:t>muscle</a:t>
+              <a:t>to</a:t>
             </a:r>
             <a:r>
               <a:rPr lang="de-CH" dirty="0"/>
@@ -9284,13 +9048,88 @@
             </a:r>
             <a:r>
               <a:rPr lang="de-CH" dirty="0" err="1"/>
-              <a:t>tension</a:t>
+              <a:t>detect</a:t>
             </a:r>
             <a:r>
               <a:rPr lang="de-CH" dirty="0"/>
               <a:t> </a:t>
             </a:r>
             <a:r>
+              <a:rPr lang="de-CH" b="1" dirty="0" err="1"/>
+              <a:t>various</a:t>
+            </a:r>
+            <a:r>
+              <a:rPr lang="de-CH" b="1" dirty="0"/>
+              <a:t> </a:t>
+            </a:r>
+            <a:r>
+              <a:rPr lang="de-CH" b="1" dirty="0" err="1"/>
+              <a:t>gestures</a:t>
+            </a:r>
+            <a:r>
+              <a:rPr lang="de-CH" b="1" dirty="0"/>
+              <a:t> </a:t>
+            </a:r>
+            <a:r>
+              <a:rPr lang="de-CH" dirty="0" err="1"/>
+              <a:t>from</a:t>
+            </a:r>
+            <a:r>
+              <a:rPr lang="de-CH" dirty="0"/>
+              <a:t> </a:t>
+            </a:r>
+            <a:r>
+              <a:rPr lang="de-CH" dirty="0" err="1"/>
+              <a:t>the</a:t>
+            </a:r>
+            <a:r>
+              <a:rPr lang="de-CH" dirty="0"/>
+              <a:t> </a:t>
+            </a:r>
+            <a:r>
+              <a:rPr lang="de-CH" dirty="0" err="1"/>
+              <a:t>driver</a:t>
+            </a:r>
+            <a:endParaRPr lang="de-CH" dirty="0"/>
+          </a:p>
+          <a:p>
+            <a:r>
+              <a:rPr lang="de-CH" dirty="0"/>
+              <a:t>By </a:t>
+            </a:r>
+            <a:r>
+              <a:rPr lang="de-CH" dirty="0" err="1"/>
+              <a:t>its</a:t>
+            </a:r>
+            <a:r>
+              <a:rPr lang="de-CH" dirty="0"/>
+              <a:t> modular </a:t>
+            </a:r>
+            <a:r>
+              <a:rPr lang="de-CH" dirty="0" err="1"/>
+              <a:t>architecture</a:t>
+            </a:r>
+            <a:r>
+              <a:rPr lang="de-CH" dirty="0"/>
+              <a:t> and design, </a:t>
+            </a:r>
+            <a:r>
+              <a:rPr lang="de-CH" dirty="0" err="1"/>
+              <a:t>it</a:t>
+            </a:r>
+            <a:r>
+              <a:rPr lang="de-CH" dirty="0"/>
+              <a:t> </a:t>
+            </a:r>
+            <a:r>
+              <a:rPr lang="de-CH" dirty="0" err="1"/>
+              <a:t>allows</a:t>
+            </a:r>
+            <a:r>
+              <a:rPr lang="de-CH" dirty="0"/>
+              <a:t> </a:t>
+            </a:r>
+            <a:r>
               <a:rPr lang="de-CH" dirty="0" err="1"/>
               <a:t>to</a:t>
             </a:r>
@@ -9300,7 +9139,7 @@
             </a:r>
             <a:r>
               <a:rPr lang="de-CH" dirty="0" err="1"/>
-              <a:t>detect</a:t>
+              <a:t>easily</a:t>
             </a:r>
             <a:r>
               <a:rPr lang="de-CH" dirty="0"/>
@@ -9308,7 +9147,7 @@
             </a:r>
             <a:r>
               <a:rPr lang="de-CH" dirty="0" err="1"/>
-              <a:t>various</a:t>
+              <a:t>adapt</a:t>
             </a:r>
             <a:r>
               <a:rPr lang="de-CH" dirty="0"/>
@@ -9316,7 +9155,7 @@
             </a:r>
             <a:r>
               <a:rPr lang="de-CH" dirty="0" err="1"/>
-              <a:t>gestures</a:t>
+              <a:t>to</a:t>
             </a:r>
             <a:r>
               <a:rPr lang="de-CH" dirty="0"/>
@@ -9324,7 +9163,7 @@
             </a:r>
             <a:r>
               <a:rPr lang="de-CH" dirty="0" err="1"/>
-              <a:t>from</a:t>
+              <a:t>various</a:t>
             </a:r>
             <a:r>
               <a:rPr lang="de-CH" dirty="0"/>
@@ -9332,7 +9171,15 @@
             </a:r>
             <a:r>
               <a:rPr lang="de-CH" dirty="0" err="1"/>
-              <a:t>the</a:t>
+              <a:t>driving</a:t>
+            </a:r>
+            <a:r>
+              <a:rPr lang="de-CH" dirty="0"/>
+              <a:t> (</a:t>
+            </a:r>
+            <a:r>
+              <a:rPr lang="de-CH" dirty="0" err="1"/>
+              <a:t>or</a:t>
             </a:r>
             <a:r>
               <a:rPr lang="de-CH" dirty="0"/>
@@ -9340,42 +9187,65 @@
             </a:r>
             <a:r>
               <a:rPr lang="de-CH" dirty="0" err="1"/>
-              <a:t>driver</a:t>
-            </a:r>
-            <a:endParaRPr lang="de-CH" dirty="0"/>
-          </a:p>
-          <a:p>
+              <a:t>other</a:t>
+            </a:r>
             <a:r>
               <a:rPr lang="de-CH" dirty="0"/>
-              <a:t>By </a:t>
+              <a:t>) </a:t>
             </a:r>
             <a:r>
               <a:rPr lang="de-CH" dirty="0" err="1"/>
-              <a:t>its</a:t>
+              <a:t>endpoints</a:t>
             </a:r>
             <a:r>
               <a:rPr lang="de-CH" dirty="0"/>
-              <a:t> modular </a:t>
+              <a:t> and </a:t>
             </a:r>
             <a:r>
               <a:rPr lang="de-CH" dirty="0" err="1"/>
-              <a:t>architecture</a:t>
+              <a:t>can</a:t>
             </a:r>
             <a:r>
               <a:rPr lang="de-CH" dirty="0"/>
-              <a:t> and design, </a:t>
+              <a:t>  </a:t>
             </a:r>
             <a:r>
               <a:rPr lang="de-CH" dirty="0" err="1"/>
-              <a:t>it</a:t>
+              <a:t>be</a:t>
             </a:r>
             <a:r>
               <a:rPr lang="de-CH" dirty="0"/>
               <a:t> </a:t>
             </a:r>
             <a:r>
+              <a:rPr lang="de-CH" b="1" dirty="0" err="1"/>
+              <a:t>customized</a:t>
+            </a:r>
+            <a:r>
+              <a:rPr lang="de-CH" b="1" dirty="0"/>
+              <a:t> </a:t>
+            </a:r>
+            <a:r>
+              <a:rPr lang="de-CH" b="1" dirty="0" err="1"/>
+              <a:t>to</a:t>
+            </a:r>
+            <a:r>
+              <a:rPr lang="de-CH" b="1" dirty="0"/>
+              <a:t> personal </a:t>
+            </a:r>
+            <a:r>
+              <a:rPr lang="de-CH" b="1" dirty="0" err="1"/>
+              <a:t>needs</a:t>
+            </a:r>
+            <a:r>
+              <a:rPr lang="de-CH" dirty="0"/>
+              <a:t>.</a:t>
+            </a:r>
+          </a:p>
+          <a:p>
+            <a:r>
               <a:rPr lang="de-CH" dirty="0" err="1"/>
-              <a:t>allows</a:t>
+              <a:t>Suitable</a:t>
             </a:r>
             <a:r>
               <a:rPr lang="de-CH" dirty="0"/>
@@ -9383,7 +9253,7 @@
             </a:r>
             <a:r>
               <a:rPr lang="de-CH" dirty="0" err="1"/>
-              <a:t>to</a:t>
+              <a:t>for</a:t>
             </a:r>
             <a:r>
               <a:rPr lang="de-CH" dirty="0"/>
@@ -9391,7 +9261,7 @@
             </a:r>
             <a:r>
               <a:rPr lang="de-CH" dirty="0" err="1"/>
-              <a:t>easily</a:t>
+              <a:t>various</a:t>
             </a:r>
             <a:r>
               <a:rPr lang="de-CH" dirty="0"/>
@@ -9399,7 +9269,7 @@
             </a:r>
             <a:r>
               <a:rPr lang="de-CH" dirty="0" err="1"/>
-              <a:t>adapt</a:t>
+              <a:t>fields</a:t>
             </a:r>
             <a:r>
               <a:rPr lang="de-CH" dirty="0"/>
@@ -9407,7 +9277,7 @@
             </a:r>
             <a:r>
               <a:rPr lang="de-CH" dirty="0" err="1"/>
-              <a:t>to</a:t>
+              <a:t>of</a:t>
             </a:r>
             <a:r>
               <a:rPr lang="de-CH" dirty="0"/>
@@ -9415,7 +9285,31 @@
             </a:r>
             <a:r>
               <a:rPr lang="de-CH" dirty="0" err="1"/>
-              <a:t>various</a:t>
+              <a:t>businesses</a:t>
+            </a:r>
+            <a:r>
+              <a:rPr lang="de-CH" dirty="0"/>
+              <a:t>, e.g. </a:t>
+            </a:r>
+            <a:r>
+              <a:rPr lang="de-CH" dirty="0" err="1"/>
+              <a:t>Healthcare</a:t>
+            </a:r>
+            <a:r>
+              <a:rPr lang="de-CH" dirty="0"/>
+              <a:t>, </a:t>
+            </a:r>
+            <a:r>
+              <a:rPr lang="de-CH" dirty="0" err="1"/>
+              <a:t>defence</a:t>
+            </a:r>
+            <a:r>
+              <a:rPr lang="de-CH" dirty="0"/>
+              <a:t>, </a:t>
+            </a:r>
+            <a:r>
+              <a:rPr lang="de-CH" dirty="0" err="1"/>
+              <a:t>public</a:t>
             </a:r>
             <a:r>
               <a:rPr lang="de-CH" dirty="0"/>
@@ -9423,11 +9317,11 @@
             </a:r>
             <a:r>
               <a:rPr lang="de-CH" dirty="0" err="1"/>
-              <a:t>driving</a:t>
+              <a:t>transportation</a:t>
             </a:r>
             <a:r>
               <a:rPr lang="de-CH" dirty="0"/>
-              <a:t> (</a:t>
+              <a:t> </a:t>
             </a:r>
             <a:r>
               <a:rPr lang="de-CH" dirty="0" err="1"/>
@@ -9439,31 +9333,7 @@
             </a:r>
             <a:r>
               <a:rPr lang="de-CH" dirty="0" err="1"/>
-              <a:t>other</a:t>
-            </a:r>
-            <a:r>
-              <a:rPr lang="de-CH" dirty="0"/>
-              <a:t>) </a:t>
-            </a:r>
-            <a:r>
-              <a:rPr lang="de-CH" dirty="0" err="1"/>
-              <a:t>endpoints</a:t>
-            </a:r>
-            <a:r>
-              <a:rPr lang="de-CH" dirty="0"/>
-              <a:t> and </a:t>
-            </a:r>
-            <a:r>
-              <a:rPr lang="de-CH" dirty="0" err="1"/>
-              <a:t>can</a:t>
-            </a:r>
-            <a:r>
-              <a:rPr lang="de-CH" dirty="0"/>
-              <a:t>  </a:t>
-            </a:r>
-            <a:r>
-              <a:rPr lang="de-CH" dirty="0" err="1"/>
-              <a:t>be</a:t>
+              <a:t>even</a:t>
             </a:r>
             <a:r>
               <a:rPr lang="de-CH" dirty="0"/>
@@ -9471,141 +9341,27 @@
             </a:r>
             <a:r>
               <a:rPr lang="de-CH" dirty="0" err="1"/>
-              <a:t>customized</a:t>
+              <a:t>for</a:t>
             </a:r>
             <a:r>
               <a:rPr lang="de-CH" dirty="0"/>
               <a:t> </a:t>
             </a:r>
             <a:r>
-              <a:rPr lang="de-CH" dirty="0" err="1"/>
-              <a:t>to</a:t>
+              <a:rPr lang="de-CH" b="1" dirty="0"/>
+              <a:t>British Secret Service </a:t>
+            </a:r>
+            <a:r>
+              <a:rPr lang="de-CH" b="1" dirty="0" err="1"/>
+              <a:t>agents</a:t>
+            </a:r>
+            <a:r>
+              <a:rPr lang="de-CH" b="1" dirty="0"/>
+              <a:t> </a:t>
             </a:r>
             <a:r>
               <a:rPr lang="de-CH" dirty="0"/>
-              <a:t> personal </a:t>
-            </a:r>
-            <a:r>
-              <a:rPr lang="de-CH" dirty="0" err="1"/>
-              <a:t>needs</a:t>
-            </a:r>
-            <a:r>
-              <a:rPr lang="de-CH" dirty="0"/>
-              <a:t>.</a:t>
-            </a:r>
-          </a:p>
-          <a:p>
-            <a:r>
-              <a:rPr lang="de-CH" dirty="0" err="1"/>
-              <a:t>Suitable</a:t>
-            </a:r>
-            <a:r>
-              <a:rPr lang="de-CH" dirty="0"/>
-              <a:t> </a:t>
-            </a:r>
-            <a:r>
-              <a:rPr lang="de-CH" dirty="0" err="1"/>
-              <a:t>for</a:t>
-            </a:r>
-            <a:r>
-              <a:rPr lang="de-CH" dirty="0"/>
-              <a:t> </a:t>
-            </a:r>
-            <a:r>
-              <a:rPr lang="de-CH" dirty="0" err="1"/>
-              <a:t>various</a:t>
-            </a:r>
-            <a:r>
-              <a:rPr lang="de-CH" dirty="0"/>
-              <a:t> </a:t>
-            </a:r>
-            <a:r>
-              <a:rPr lang="de-CH" dirty="0" err="1"/>
-              <a:t>fields</a:t>
-            </a:r>
-            <a:r>
-              <a:rPr lang="de-CH" dirty="0"/>
-              <a:t> </a:t>
-            </a:r>
-            <a:r>
-              <a:rPr lang="de-CH" dirty="0" err="1"/>
-              <a:t>of</a:t>
-            </a:r>
-            <a:r>
-              <a:rPr lang="de-CH" dirty="0"/>
-              <a:t> </a:t>
-            </a:r>
-            <a:r>
-              <a:rPr lang="de-CH" dirty="0" err="1"/>
-              <a:t>businesses</a:t>
-            </a:r>
-            <a:r>
-              <a:rPr lang="de-CH" dirty="0"/>
-              <a:t>, e.g. </a:t>
-            </a:r>
-            <a:r>
-              <a:rPr lang="de-CH" dirty="0" err="1"/>
-              <a:t>Healthcare</a:t>
-            </a:r>
-            <a:r>
-              <a:rPr lang="de-CH" dirty="0"/>
-              <a:t>, </a:t>
-            </a:r>
-            <a:r>
-              <a:rPr lang="de-CH" dirty="0" err="1"/>
-              <a:t>defence</a:t>
-            </a:r>
-            <a:r>
-              <a:rPr lang="de-CH" dirty="0"/>
-              <a:t>, </a:t>
-            </a:r>
-            <a:r>
-              <a:rPr lang="de-CH" dirty="0" err="1"/>
-              <a:t>public</a:t>
-            </a:r>
-            <a:r>
-              <a:rPr lang="de-CH" dirty="0"/>
-              <a:t> </a:t>
-            </a:r>
-            <a:r>
-              <a:rPr lang="de-CH" dirty="0" err="1"/>
-              <a:t>transportation</a:t>
-            </a:r>
-            <a:r>
-              <a:rPr lang="de-CH" dirty="0"/>
-              <a:t> </a:t>
-            </a:r>
-            <a:r>
-              <a:rPr lang="de-CH" dirty="0" err="1"/>
-              <a:t>or</a:t>
-            </a:r>
-            <a:r>
-              <a:rPr lang="de-CH" dirty="0"/>
-              <a:t> </a:t>
-            </a:r>
-            <a:r>
-              <a:rPr lang="de-CH" dirty="0" err="1"/>
-              <a:t>even</a:t>
-            </a:r>
-            <a:r>
-              <a:rPr lang="de-CH" dirty="0"/>
-              <a:t> </a:t>
-            </a:r>
-            <a:r>
-              <a:rPr lang="de-CH" dirty="0" err="1"/>
-              <a:t>for</a:t>
-            </a:r>
-            <a:r>
-              <a:rPr lang="de-CH" dirty="0"/>
-              <a:t> British Secret Service </a:t>
-            </a:r>
-            <a:r>
-              <a:rPr lang="de-CH" dirty="0" err="1"/>
-              <a:t>agents</a:t>
-            </a:r>
-            <a:r>
-              <a:rPr lang="de-CH" dirty="0"/>
-              <a:t> ;-)</a:t>
+              <a:t>;-)</a:t>
             </a:r>
           </a:p>
         </p:txBody>
@@ -10546,8 +10302,8 @@
         </p:blipFill>
         <p:spPr>
           <a:xfrm>
-            <a:off x="4211065" y="2786201"/>
-            <a:ext cx="1285596" cy="1285596"/>
+            <a:off x="3891812" y="2463293"/>
+            <a:ext cx="1794371" cy="1794371"/>
           </a:xfrm>
           <a:prstGeom prst="rect">
             <a:avLst/>
@@ -10641,7 +10397,7 @@
         </p:blipFill>
         <p:spPr bwMode="auto">
           <a:xfrm>
-            <a:off x="3448201" y="4115745"/>
+            <a:off x="3563611" y="4710549"/>
             <a:ext cx="2646210" cy="1486833"/>
           </a:xfrm>
           <a:prstGeom prst="rect">
@@ -10697,10 +10453,10 @@
       </p:sp>
       <p:pic>
         <p:nvPicPr>
-          <p:cNvPr id="4" name="Picture 3">
+          <p:cNvPr id="17" name="Picture 3">
             <a:extLst>
               <a:ext uri="{FF2B5EF4-FFF2-40B4-BE49-F238E27FC236}">
-                <a16:creationId xmlns:a16="http://schemas.microsoft.com/office/drawing/2014/main" id="{567B7E57-7FC1-4A68-A9BF-3906D7F102C1}"/>
+                <a16:creationId xmlns:a16="http://schemas.microsoft.com/office/drawing/2014/main" id="{DA72B5AA-A050-4C02-B348-143D62A8833B}"/>
               </a:ext>
             </a:extLst>
           </p:cNvPr>
@@ -10717,7 +10473,7 @@
         </p:blipFill>
         <p:spPr>
           <a:xfrm>
-            <a:off x="3532367" y="844757"/>
+            <a:off x="3532366" y="383118"/>
             <a:ext cx="2744086" cy="1372043"/>
           </a:xfrm>
           <a:prstGeom prst="rect">

--- a/Myo-Car_Amag.pptx
+++ b/Myo-Car_Amag.pptx
@@ -9095,27 +9095,11 @@
           <a:p>
             <a:r>
               <a:rPr lang="de-CH" dirty="0"/>
-              <a:t>By </a:t>
+              <a:t>Easy </a:t>
             </a:r>
             <a:r>
               <a:rPr lang="de-CH" dirty="0" err="1"/>
-              <a:t>its</a:t>
-            </a:r>
-            <a:r>
-              <a:rPr lang="de-CH" dirty="0"/>
-              <a:t> modular </a:t>
-            </a:r>
-            <a:r>
-              <a:rPr lang="de-CH" dirty="0" err="1"/>
-              <a:t>architecture</a:t>
-            </a:r>
-            <a:r>
-              <a:rPr lang="de-CH" dirty="0"/>
-              <a:t> and design, </a:t>
-            </a:r>
-            <a:r>
-              <a:rPr lang="de-CH" dirty="0" err="1"/>
-              <a:t>it</a:t>
+              <a:t>to</a:t>
             </a:r>
             <a:r>
               <a:rPr lang="de-CH" dirty="0"/>
@@ -9123,7 +9107,7 @@
             </a:r>
             <a:r>
               <a:rPr lang="de-CH" dirty="0" err="1"/>
-              <a:t>allows</a:t>
+              <a:t>adapt</a:t>
             </a:r>
             <a:r>
               <a:rPr lang="de-CH" dirty="0"/>
@@ -9139,7 +9123,7 @@
             </a:r>
             <a:r>
               <a:rPr lang="de-CH" dirty="0" err="1"/>
-              <a:t>easily</a:t>
+              <a:t>various</a:t>
             </a:r>
             <a:r>
               <a:rPr lang="de-CH" dirty="0"/>
@@ -9147,7 +9131,7 @@
             </a:r>
             <a:r>
               <a:rPr lang="de-CH" dirty="0" err="1"/>
-              <a:t>adapt</a:t>
+              <a:t>driving</a:t>
             </a:r>
             <a:r>
               <a:rPr lang="de-CH" dirty="0"/>
@@ -9155,13 +9139,71 @@
             </a:r>
             <a:r>
               <a:rPr lang="de-CH" dirty="0" err="1"/>
-              <a:t>to</a:t>
+              <a:t>endpoints</a:t>
+            </a:r>
+            <a:r>
+              <a:rPr lang="de-CH" dirty="0"/>
+              <a:t> and </a:t>
+            </a:r>
+            <a:r>
+              <a:rPr lang="de-CH" dirty="0" err="1"/>
+              <a:t>can</a:t>
+            </a:r>
+            <a:r>
+              <a:rPr lang="de-CH" dirty="0"/>
+              <a:t>  </a:t>
+            </a:r>
+            <a:r>
+              <a:rPr lang="de-CH" dirty="0" err="1"/>
+              <a:t>be</a:t>
             </a:r>
             <a:r>
               <a:rPr lang="de-CH" dirty="0"/>
               <a:t> </a:t>
             </a:r>
             <a:r>
+              <a:rPr lang="de-CH" b="1" dirty="0" err="1"/>
+              <a:t>customized</a:t>
+            </a:r>
+            <a:r>
+              <a:rPr lang="de-CH" b="1" dirty="0"/>
+              <a:t> </a:t>
+            </a:r>
+            <a:r>
+              <a:rPr lang="de-CH" b="1" dirty="0" err="1"/>
+              <a:t>to</a:t>
+            </a:r>
+            <a:r>
+              <a:rPr lang="de-CH" b="1" dirty="0"/>
+              <a:t> personal </a:t>
+            </a:r>
+            <a:r>
+              <a:rPr lang="de-CH" b="1" dirty="0" err="1"/>
+              <a:t>needs</a:t>
+            </a:r>
+            <a:r>
+              <a:rPr lang="de-CH" dirty="0"/>
+              <a:t>.</a:t>
+            </a:r>
+          </a:p>
+          <a:p>
+            <a:r>
+              <a:rPr lang="de-CH" dirty="0" err="1"/>
+              <a:t>Suitable</a:t>
+            </a:r>
+            <a:r>
+              <a:rPr lang="de-CH" dirty="0"/>
+              <a:t> </a:t>
+            </a:r>
+            <a:r>
+              <a:rPr lang="de-CH" dirty="0" err="1"/>
+              <a:t>for</a:t>
+            </a:r>
+            <a:r>
+              <a:rPr lang="de-CH" dirty="0"/>
+              <a:t> </a:t>
+            </a:r>
+            <a:r>
               <a:rPr lang="de-CH" dirty="0" err="1"/>
               <a:t>various</a:t>
             </a:r>
@@ -9171,15 +9213,7 @@
             </a:r>
             <a:r>
               <a:rPr lang="de-CH" dirty="0" err="1"/>
-              <a:t>driving</a:t>
-            </a:r>
-            <a:r>
-              <a:rPr lang="de-CH" dirty="0"/>
-              <a:t> (</a:t>
-            </a:r>
-            <a:r>
-              <a:rPr lang="de-CH" dirty="0" err="1"/>
-              <a:t>or</a:t>
+              <a:t>fields</a:t>
             </a:r>
             <a:r>
               <a:rPr lang="de-CH" dirty="0"/>
@@ -9187,65 +9221,43 @@
             </a:r>
             <a:r>
               <a:rPr lang="de-CH" dirty="0" err="1"/>
-              <a:t>other</a:t>
-            </a:r>
-            <a:r>
-              <a:rPr lang="de-CH" dirty="0"/>
-              <a:t>) </a:t>
-            </a:r>
-            <a:r>
-              <a:rPr lang="de-CH" dirty="0" err="1"/>
-              <a:t>endpoints</a:t>
-            </a:r>
-            <a:r>
-              <a:rPr lang="de-CH" dirty="0"/>
-              <a:t> and </a:t>
-            </a:r>
-            <a:r>
-              <a:rPr lang="de-CH" dirty="0" err="1"/>
-              <a:t>can</a:t>
-            </a:r>
-            <a:r>
-              <a:rPr lang="de-CH" dirty="0"/>
-              <a:t>  </a:t>
-            </a:r>
-            <a:r>
-              <a:rPr lang="de-CH" dirty="0" err="1"/>
-              <a:t>be</a:t>
+              <a:t>of</a:t>
             </a:r>
             <a:r>
               <a:rPr lang="de-CH" dirty="0"/>
               <a:t> </a:t>
             </a:r>
             <a:r>
-              <a:rPr lang="de-CH" b="1" dirty="0" err="1"/>
-              <a:t>customized</a:t>
-            </a:r>
-            <a:r>
-              <a:rPr lang="de-CH" b="1" dirty="0"/>
-              <a:t> </a:t>
-            </a:r>
-            <a:r>
-              <a:rPr lang="de-CH" b="1" dirty="0" err="1"/>
-              <a:t>to</a:t>
-            </a:r>
-            <a:r>
-              <a:rPr lang="de-CH" b="1" dirty="0"/>
-              <a:t> personal </a:t>
-            </a:r>
-            <a:r>
-              <a:rPr lang="de-CH" b="1" dirty="0" err="1"/>
-              <a:t>needs</a:t>
-            </a:r>
+              <a:rPr lang="de-CH" dirty="0" err="1"/>
+              <a:t>businesses</a:t>
+            </a:r>
+            <a:endParaRPr lang="de-CH" dirty="0"/>
+          </a:p>
+          <a:p>
+            <a:pPr lvl="1"/>
             <a:r>
               <a:rPr lang="de-CH" dirty="0"/>
-              <a:t>.</a:t>
-            </a:r>
-          </a:p>
-          <a:p>
+              <a:t>e.g. </a:t>
+            </a:r>
             <a:r>
               <a:rPr lang="de-CH" dirty="0" err="1"/>
-              <a:t>Suitable</a:t>
+              <a:t>Healthcare</a:t>
+            </a:r>
+            <a:r>
+              <a:rPr lang="de-CH" dirty="0"/>
+              <a:t>, </a:t>
+            </a:r>
+            <a:r>
+              <a:rPr lang="de-CH" dirty="0" err="1"/>
+              <a:t>defence</a:t>
+            </a:r>
+            <a:r>
+              <a:rPr lang="de-CH" dirty="0"/>
+              <a:t>, </a:t>
+            </a:r>
+            <a:r>
+              <a:rPr lang="de-CH" dirty="0" err="1"/>
+              <a:t>public</a:t>
             </a:r>
             <a:r>
               <a:rPr lang="de-CH" dirty="0"/>
@@ -9253,76 +9265,11 @@
             </a:r>
             <a:r>
               <a:rPr lang="de-CH" dirty="0" err="1"/>
-              <a:t>for</a:t>
-            </a:r>
-            <a:r>
+              <a:t>transportation</a:t>
+            </a:r>
+            <a:br>
               <a:rPr lang="de-CH" dirty="0"/>
-              <a:t> </a:t>
-            </a:r>
-            <a:r>
-              <a:rPr lang="de-CH" dirty="0" err="1"/>
-              <a:t>various</a:t>
-            </a:r>
-            <a:r>
-              <a:rPr lang="de-CH" dirty="0"/>
-              <a:t> </a:t>
-            </a:r>
-            <a:r>
-              <a:rPr lang="de-CH" dirty="0" err="1"/>
-              <a:t>fields</a:t>
-            </a:r>
-            <a:r>
-              <a:rPr lang="de-CH" dirty="0"/>
-              <a:t> </a:t>
-            </a:r>
-            <a:r>
-              <a:rPr lang="de-CH" dirty="0" err="1"/>
-              <a:t>of</a:t>
-            </a:r>
-            <a:r>
-              <a:rPr lang="de-CH" dirty="0"/>
-              <a:t> </a:t>
-            </a:r>
-            <a:r>
-              <a:rPr lang="de-CH" dirty="0" err="1"/>
-              <a:t>businesses</a:t>
-            </a:r>
-            <a:r>
-              <a:rPr lang="de-CH" dirty="0"/>
-              <a:t>, e.g. </a:t>
-            </a:r>
-            <a:r>
-              <a:rPr lang="de-CH" dirty="0" err="1"/>
-              <a:t>Healthcare</a:t>
-            </a:r>
-            <a:r>
-              <a:rPr lang="de-CH" dirty="0"/>
-              <a:t>, </a:t>
-            </a:r>
-            <a:r>
-              <a:rPr lang="de-CH" dirty="0" err="1"/>
-              <a:t>defence</a:t>
-            </a:r>
-            <a:r>
-              <a:rPr lang="de-CH" dirty="0"/>
-              <a:t>, </a:t>
-            </a:r>
-            <a:r>
-              <a:rPr lang="de-CH" dirty="0" err="1"/>
-              <a:t>public</a:t>
-            </a:r>
-            <a:r>
-              <a:rPr lang="de-CH" dirty="0"/>
-              <a:t> </a:t>
-            </a:r>
-            <a:r>
-              <a:rPr lang="de-CH" dirty="0" err="1"/>
-              <a:t>transportation</a:t>
-            </a:r>
-            <a:r>
-              <a:rPr lang="de-CH" dirty="0"/>
-              <a:t> </a:t>
-            </a:r>
+            </a:br>
             <a:r>
               <a:rPr lang="de-CH" dirty="0" err="1"/>
               <a:t>or</a:t>
